--- a/advance/supplyments/bitcoin.pptx
+++ b/advance/supplyments/bitcoin.pptx
@@ -526,7 +526,7 @@
           <a:p>
             <a:fld id="{81B7EE3F-0E40-4E46-B38A-161A7323B428}" type="datetimeFigureOut">
               <a:rPr lang="en-US" smtClean="0"/>
-              <a:t>4/25/21</a:t>
+              <a:t>4/26/21</a:t>
             </a:fld>
             <a:endParaRPr lang="en-US"/>
           </a:p>
@@ -7369,7 +7369,7 @@
           <a:p>
             <a:r>
               <a:rPr lang="en-US"/>
-              <a:t>分布式共识</a:t>
+              <a:t>基于POW的分布式共识</a:t>
             </a:r>
           </a:p>
         </p:txBody>
@@ -7819,7 +7819,7 @@
           <a:p>
             <a:r>
               <a:rPr lang="en-US"/>
-              <a:t>双重支付攻击可能性</a:t>
+              <a:t>抗双重支付</a:t>
             </a:r>
           </a:p>
         </p:txBody>
@@ -9595,7 +9595,7 @@
           <a:p>
             <a:r>
               <a:rPr lang="zh-CN" altLang="en-US"/>
-              <a:t>交易</a:t>
+              <a:t>交易安全</a:t>
             </a:r>
             <a:endParaRPr lang="en-US"/>
           </a:p>
@@ -10501,7 +10501,7 @@
           <a:p>
             <a:r>
               <a:rPr lang="en-US"/>
-              <a:t>数字签名</a:t>
+              <a:t>数字签名应用于交易安全</a:t>
             </a:r>
           </a:p>
         </p:txBody>
@@ -10680,23 +10680,51 @@
           <a:p>
             <a:r>
               <a:rPr lang="zh-CN" altLang="en-US"/>
-              <a:t>付款方的数字签名提供了 真实性</a:t>
-            </a:r>
-            <a:r>
-              <a:rPr lang="en-US" altLang="zh-CN"/>
+              <a:t>付款方的</a:t>
+            </a:r>
+            <a:r>
+              <a:rPr lang="zh-CN" altLang="en-US">
+                <a:solidFill>
+                  <a:srgbClr val="FF0000"/>
+                </a:solidFill>
+              </a:rPr>
+              <a:t>数字签名提供了 真实性</a:t>
+            </a:r>
+            <a:r>
+              <a:rPr lang="en-US" altLang="zh-CN">
+                <a:solidFill>
+                  <a:srgbClr val="FF0000"/>
+                </a:solidFill>
+              </a:rPr>
               <a:t>+</a:t>
             </a:r>
             <a:r>
-              <a:rPr lang="zh-CN" altLang="en-US"/>
+              <a:rPr lang="zh-CN" altLang="en-US">
+                <a:solidFill>
+                  <a:srgbClr val="FF0000"/>
+                </a:solidFill>
+              </a:rPr>
               <a:t>完整性</a:t>
             </a:r>
             <a:r>
-              <a:rPr lang="en-US" altLang="zh-CN"/>
+              <a:rPr lang="en-US" altLang="zh-CN">
+                <a:solidFill>
+                  <a:srgbClr val="FF0000"/>
+                </a:solidFill>
+              </a:rPr>
               <a:t>+</a:t>
             </a:r>
             <a:r>
-              <a:rPr lang="zh-CN" altLang="en-US"/>
-              <a:t>不可否认性：只有</a:t>
+              <a:rPr lang="zh-CN" altLang="en-US">
+                <a:solidFill>
+                  <a:srgbClr val="FF0000"/>
+                </a:solidFill>
+              </a:rPr>
+              <a:t>不可否认性</a:t>
+            </a:r>
+            <a:r>
+              <a:rPr lang="zh-CN" altLang="en-US"/>
+              <a:t>：只有</a:t>
             </a:r>
             <a:r>
               <a:rPr lang="en-US"/>
